--- a/Prezentacijos/IT_Projektas_Final.pptx
+++ b/Prezentacijos/IT_Projektas_Final.pptx
@@ -16043,7 +16043,7 @@
         <p:fade thruBlk="1"/>
       </p:transition>
     </mc:Choice>
-    <mc:Fallback xmlns="" xmlns:mv="urn:schemas-microsoft-com:mac:vml" xmlns:c="http://schemas.openxmlformats.org/drawingml/2006/chart" xmlns:dgm="http://schemas.openxmlformats.org/drawingml/2006/diagram" xmlns:o="urn:schemas-microsoft-com:office:office" xmlns:v="urn:schemas-microsoft-com:vml" xmlns:pvml="urn:schemas-microsoft-com:office:powerpoint" xmlns:com="http://schemas.openxmlformats.org/drawingml/2006/compatibility" xmlns:p15="http://schemas.microsoft.com/office/powerpoint/2012/main" xmlns:ahyp="http://schemas.microsoft.com/office/drawing/2018/hyperlinkcolor">
+    <mc:Fallback xmlns:ahyp="http://schemas.microsoft.com/office/drawing/2018/hyperlinkcolor" xmlns:p15="http://schemas.microsoft.com/office/powerpoint/2012/main" xmlns:com="http://schemas.openxmlformats.org/drawingml/2006/compatibility" xmlns:pvml="urn:schemas-microsoft-com:office:powerpoint" xmlns:v="urn:schemas-microsoft-com:vml" xmlns:o="urn:schemas-microsoft-com:office:office" xmlns:dgm="http://schemas.openxmlformats.org/drawingml/2006/diagram" xmlns:c="http://schemas.openxmlformats.org/drawingml/2006/chart" xmlns:mv="urn:schemas-microsoft-com:mac:vml" xmlns="">
       <p:transition spd="slow">
         <p:fade/>
       </p:transition>
@@ -18698,10 +18698,10 @@
       </p:grpSp>
       <p:pic>
         <p:nvPicPr>
-          <p:cNvPr id="3" name="Picture 2">
+          <p:cNvPr id="4" name="Picture 3">
             <a:extLst>
               <a:ext uri="{FF2B5EF4-FFF2-40B4-BE49-F238E27FC236}">
-                <a16:creationId xmlns:a16="http://schemas.microsoft.com/office/drawing/2014/main" id="{DDB256A2-C931-F9D4-8E54-69AABA6237C3}"/>
+                <a16:creationId xmlns:a16="http://schemas.microsoft.com/office/drawing/2014/main" id="{31E62E7A-3909-9305-CA08-E70666FFAB6B}"/>
               </a:ext>
             </a:extLst>
           </p:cNvPr>
@@ -18718,8 +18718,8 @@
         </p:blipFill>
         <p:spPr>
           <a:xfrm>
-            <a:off x="106220" y="845128"/>
-            <a:ext cx="3186543" cy="3762664"/>
+            <a:off x="228598" y="713698"/>
+            <a:ext cx="3287964" cy="4190274"/>
           </a:xfrm>
           <a:prstGeom prst="rect">
             <a:avLst/>
@@ -19196,7 +19196,7 @@
         <p:fade thruBlk="1"/>
       </p:transition>
     </mc:Choice>
-    <mc:Fallback xmlns="" xmlns:mv="urn:schemas-microsoft-com:mac:vml" xmlns:c="http://schemas.openxmlformats.org/drawingml/2006/chart" xmlns:dgm="http://schemas.openxmlformats.org/drawingml/2006/diagram" xmlns:o="urn:schemas-microsoft-com:office:office" xmlns:v="urn:schemas-microsoft-com:vml" xmlns:pvml="urn:schemas-microsoft-com:office:powerpoint" xmlns:com="http://schemas.openxmlformats.org/drawingml/2006/compatibility" xmlns:p15="http://schemas.microsoft.com/office/powerpoint/2012/main" xmlns:ahyp="http://schemas.microsoft.com/office/drawing/2018/hyperlinkcolor">
+    <mc:Fallback xmlns:ahyp="http://schemas.microsoft.com/office/drawing/2018/hyperlinkcolor" xmlns:p15="http://schemas.microsoft.com/office/powerpoint/2012/main" xmlns:com="http://schemas.openxmlformats.org/drawingml/2006/compatibility" xmlns:pvml="urn:schemas-microsoft-com:office:powerpoint" xmlns:v="urn:schemas-microsoft-com:vml" xmlns:o="urn:schemas-microsoft-com:office:office" xmlns:dgm="http://schemas.openxmlformats.org/drawingml/2006/diagram" xmlns:c="http://schemas.openxmlformats.org/drawingml/2006/chart" xmlns:mv="urn:schemas-microsoft-com:mac:vml" xmlns="">
       <p:transition spd="slow">
         <p:fade/>
       </p:transition>
@@ -20235,7 +20235,7 @@
         <p:fade thruBlk="1"/>
       </p:transition>
     </mc:Choice>
-    <mc:Fallback xmlns="" xmlns:mv="urn:schemas-microsoft-com:mac:vml" xmlns:c="http://schemas.openxmlformats.org/drawingml/2006/chart" xmlns:dgm="http://schemas.openxmlformats.org/drawingml/2006/diagram" xmlns:o="urn:schemas-microsoft-com:office:office" xmlns:v="urn:schemas-microsoft-com:vml" xmlns:pvml="urn:schemas-microsoft-com:office:powerpoint" xmlns:com="http://schemas.openxmlformats.org/drawingml/2006/compatibility" xmlns:p15="http://schemas.microsoft.com/office/powerpoint/2012/main" xmlns:ahyp="http://schemas.microsoft.com/office/drawing/2018/hyperlinkcolor">
+    <mc:Fallback xmlns:ahyp="http://schemas.microsoft.com/office/drawing/2018/hyperlinkcolor" xmlns:p15="http://schemas.microsoft.com/office/powerpoint/2012/main" xmlns:com="http://schemas.openxmlformats.org/drawingml/2006/compatibility" xmlns:pvml="urn:schemas-microsoft-com:office:powerpoint" xmlns:v="urn:schemas-microsoft-com:vml" xmlns:o="urn:schemas-microsoft-com:office:office" xmlns:dgm="http://schemas.openxmlformats.org/drawingml/2006/diagram" xmlns:c="http://schemas.openxmlformats.org/drawingml/2006/chart" xmlns:mv="urn:schemas-microsoft-com:mac:vml" xmlns="">
       <p:transition spd="slow">
         <p:fade/>
       </p:transition>
